--- a/AIについて.pptx
+++ b/AIについて.pptx
@@ -235,7 +235,7 @@
           <a:p>
             <a:fld id="{39F9963A-ACFA-4D71-BFA2-78ABD357489A}" type="datetimeFigureOut">
               <a:rPr kumimoji="1" lang="ja-JP" altLang="en-US" smtClean="0"/>
-              <a:t>2020/9/18</a:t>
+              <a:t>2020/9/25</a:t>
             </a:fld>
             <a:endParaRPr kumimoji="1" lang="ja-JP" altLang="en-US"/>
           </a:p>
@@ -1169,7 +1169,7 @@
           <a:p>
             <a:fld id="{4B7F2210-E08F-498E-9BBC-96DBE3870136}" type="datetimeFigureOut">
               <a:rPr kumimoji="1" lang="ja-JP" altLang="en-US" smtClean="0"/>
-              <a:t>2020/9/18</a:t>
+              <a:t>2020/9/25</a:t>
             </a:fld>
             <a:endParaRPr kumimoji="1" lang="ja-JP" altLang="en-US"/>
           </a:p>
@@ -1371,7 +1371,7 @@
           <a:p>
             <a:fld id="{4B7F2210-E08F-498E-9BBC-96DBE3870136}" type="datetimeFigureOut">
               <a:rPr kumimoji="1" lang="ja-JP" altLang="en-US" smtClean="0"/>
-              <a:t>2020/9/18</a:t>
+              <a:t>2020/9/25</a:t>
             </a:fld>
             <a:endParaRPr kumimoji="1" lang="ja-JP" altLang="en-US"/>
           </a:p>
@@ -1583,7 +1583,7 @@
           <a:p>
             <a:fld id="{4B7F2210-E08F-498E-9BBC-96DBE3870136}" type="datetimeFigureOut">
               <a:rPr kumimoji="1" lang="ja-JP" altLang="en-US" smtClean="0"/>
-              <a:t>2020/9/18</a:t>
+              <a:t>2020/9/25</a:t>
             </a:fld>
             <a:endParaRPr kumimoji="1" lang="ja-JP" altLang="en-US"/>
           </a:p>
@@ -1785,7 +1785,7 @@
           <a:p>
             <a:fld id="{4B7F2210-E08F-498E-9BBC-96DBE3870136}" type="datetimeFigureOut">
               <a:rPr kumimoji="1" lang="ja-JP" altLang="en-US" smtClean="0"/>
-              <a:t>2020/9/18</a:t>
+              <a:t>2020/9/25</a:t>
             </a:fld>
             <a:endParaRPr kumimoji="1" lang="ja-JP" altLang="en-US"/>
           </a:p>
@@ -2029,7 +2029,7 @@
           <a:p>
             <a:fld id="{4B7F2210-E08F-498E-9BBC-96DBE3870136}" type="datetimeFigureOut">
               <a:rPr kumimoji="1" lang="ja-JP" altLang="en-US" smtClean="0"/>
-              <a:t>2020/9/18</a:t>
+              <a:t>2020/9/25</a:t>
             </a:fld>
             <a:endParaRPr kumimoji="1" lang="ja-JP" altLang="en-US"/>
           </a:p>
@@ -2325,7 +2325,7 @@
           <a:p>
             <a:fld id="{4B7F2210-E08F-498E-9BBC-96DBE3870136}" type="datetimeFigureOut">
               <a:rPr kumimoji="1" lang="ja-JP" altLang="en-US" smtClean="0"/>
-              <a:t>2020/9/18</a:t>
+              <a:t>2020/9/25</a:t>
             </a:fld>
             <a:endParaRPr kumimoji="1" lang="ja-JP" altLang="en-US"/>
           </a:p>
@@ -2756,7 +2756,7 @@
           <a:p>
             <a:fld id="{4B7F2210-E08F-498E-9BBC-96DBE3870136}" type="datetimeFigureOut">
               <a:rPr kumimoji="1" lang="ja-JP" altLang="en-US" smtClean="0"/>
-              <a:t>2020/9/18</a:t>
+              <a:t>2020/9/25</a:t>
             </a:fld>
             <a:endParaRPr kumimoji="1" lang="ja-JP" altLang="en-US"/>
           </a:p>
@@ -2874,7 +2874,7 @@
           <a:p>
             <a:fld id="{4B7F2210-E08F-498E-9BBC-96DBE3870136}" type="datetimeFigureOut">
               <a:rPr kumimoji="1" lang="ja-JP" altLang="en-US" smtClean="0"/>
-              <a:t>2020/9/18</a:t>
+              <a:t>2020/9/25</a:t>
             </a:fld>
             <a:endParaRPr kumimoji="1" lang="ja-JP" altLang="en-US"/>
           </a:p>
@@ -2969,7 +2969,7 @@
           <a:p>
             <a:fld id="{4B7F2210-E08F-498E-9BBC-96DBE3870136}" type="datetimeFigureOut">
               <a:rPr kumimoji="1" lang="ja-JP" altLang="en-US" smtClean="0"/>
-              <a:t>2020/9/18</a:t>
+              <a:t>2020/9/25</a:t>
             </a:fld>
             <a:endParaRPr kumimoji="1" lang="ja-JP" altLang="en-US"/>
           </a:p>
@@ -3278,7 +3278,7 @@
           <a:p>
             <a:fld id="{4B7F2210-E08F-498E-9BBC-96DBE3870136}" type="datetimeFigureOut">
               <a:rPr kumimoji="1" lang="ja-JP" altLang="en-US" smtClean="0"/>
-              <a:t>2020/9/18</a:t>
+              <a:t>2020/9/25</a:t>
             </a:fld>
             <a:endParaRPr kumimoji="1" lang="ja-JP" altLang="en-US"/>
           </a:p>
@@ -3535,7 +3535,7 @@
           <a:p>
             <a:fld id="{4B7F2210-E08F-498E-9BBC-96DBE3870136}" type="datetimeFigureOut">
               <a:rPr kumimoji="1" lang="ja-JP" altLang="en-US" smtClean="0"/>
-              <a:t>2020/9/18</a:t>
+              <a:t>2020/9/25</a:t>
             </a:fld>
             <a:endParaRPr kumimoji="1" lang="ja-JP" altLang="en-US"/>
           </a:p>
@@ -3780,7 +3780,7 @@
           <a:p>
             <a:fld id="{4B7F2210-E08F-498E-9BBC-96DBE3870136}" type="datetimeFigureOut">
               <a:rPr kumimoji="1" lang="ja-JP" altLang="en-US" smtClean="0"/>
-              <a:t>2020/9/18</a:t>
+              <a:t>2020/9/25</a:t>
             </a:fld>
             <a:endParaRPr kumimoji="1" lang="ja-JP" altLang="en-US"/>
           </a:p>
@@ -30919,8 +30919,8 @@
           </a:p>
         </p:txBody>
       </p:sp>
-      <mc:AlternateContent xmlns:mc="http://schemas.openxmlformats.org/markup-compatibility/2006">
-        <mc:Choice xmlns:a14="http://schemas.microsoft.com/office/drawing/2010/main" Requires="a14">
+      <mc:AlternateContent xmlns:mc="http://schemas.openxmlformats.org/markup-compatibility/2006" xmlns:a14="http://schemas.microsoft.com/office/drawing/2010/main">
+        <mc:Choice Requires="a14">
           <p:sp>
             <p:nvSpPr>
               <p:cNvPr id="12" name="テキスト ボックス 11">
@@ -31047,7 +31047,7 @@
             </p:txBody>
           </p:sp>
         </mc:Choice>
-        <mc:Fallback>
+        <mc:Fallback xmlns="">
           <p:sp>
             <p:nvSpPr>
               <p:cNvPr id="12" name="テキスト ボックス 11">
@@ -31220,8 +31220,8 @@
             </a:p>
           </p:txBody>
         </p:sp>
-        <mc:AlternateContent xmlns:mc="http://schemas.openxmlformats.org/markup-compatibility/2006">
-          <mc:Choice xmlns:a14="http://schemas.microsoft.com/office/drawing/2010/main" Requires="a14">
+        <mc:AlternateContent xmlns:mc="http://schemas.openxmlformats.org/markup-compatibility/2006" xmlns:a14="http://schemas.microsoft.com/office/drawing/2010/main">
+          <mc:Choice Requires="a14">
             <p:sp>
               <p:nvSpPr>
                 <p:cNvPr id="49" name="テキスト ボックス 48">
@@ -31278,7 +31278,7 @@
               </p:txBody>
             </p:sp>
           </mc:Choice>
-          <mc:Fallback>
+          <mc:Fallback xmlns="">
             <p:sp>
               <p:nvSpPr>
                 <p:cNvPr id="49" name="テキスト ボックス 48">
@@ -31367,8 +31367,8 @@
             </a:p>
           </p:txBody>
         </p:sp>
-        <mc:AlternateContent xmlns:mc="http://schemas.openxmlformats.org/markup-compatibility/2006">
-          <mc:Choice xmlns:a14="http://schemas.microsoft.com/office/drawing/2010/main" Requires="a14">
+        <mc:AlternateContent xmlns:mc="http://schemas.openxmlformats.org/markup-compatibility/2006" xmlns:a14="http://schemas.microsoft.com/office/drawing/2010/main">
+          <mc:Choice Requires="a14">
             <p:sp>
               <p:nvSpPr>
                 <p:cNvPr id="51" name="テキスト ボックス 50">
@@ -31425,7 +31425,7 @@
               </p:txBody>
             </p:sp>
           </mc:Choice>
-          <mc:Fallback>
+          <mc:Fallback xmlns="">
             <p:sp>
               <p:nvSpPr>
                 <p:cNvPr id="51" name="テキスト ボックス 50">
@@ -31514,8 +31514,8 @@
             </a:p>
           </p:txBody>
         </p:sp>
-        <mc:AlternateContent xmlns:mc="http://schemas.openxmlformats.org/markup-compatibility/2006">
-          <mc:Choice xmlns:a14="http://schemas.microsoft.com/office/drawing/2010/main" Requires="a14">
+        <mc:AlternateContent xmlns:mc="http://schemas.openxmlformats.org/markup-compatibility/2006" xmlns:a14="http://schemas.microsoft.com/office/drawing/2010/main">
+          <mc:Choice Requires="a14">
             <p:sp>
               <p:nvSpPr>
                 <p:cNvPr id="56" name="テキスト ボックス 55">
@@ -31572,7 +31572,7 @@
               </p:txBody>
             </p:sp>
           </mc:Choice>
-          <mc:Fallback>
+          <mc:Fallback xmlns="">
             <p:sp>
               <p:nvSpPr>
                 <p:cNvPr id="56" name="テキスト ボックス 55">
@@ -32000,8 +32000,8 @@
             </a:p>
           </p:txBody>
         </p:sp>
-        <mc:AlternateContent xmlns:mc="http://schemas.openxmlformats.org/markup-compatibility/2006">
-          <mc:Choice xmlns:a14="http://schemas.microsoft.com/office/drawing/2010/main" Requires="a14">
+        <mc:AlternateContent xmlns:mc="http://schemas.openxmlformats.org/markup-compatibility/2006" xmlns:a14="http://schemas.microsoft.com/office/drawing/2010/main">
+          <mc:Choice Requires="a14">
             <p:sp>
               <p:nvSpPr>
                 <p:cNvPr id="21" name="テキスト ボックス 20">
@@ -32058,7 +32058,7 @@
               </p:txBody>
             </p:sp>
           </mc:Choice>
-          <mc:Fallback>
+          <mc:Fallback xmlns="">
             <p:sp>
               <p:nvSpPr>
                 <p:cNvPr id="21" name="テキスト ボックス 20">
@@ -32147,8 +32147,8 @@
             </a:p>
           </p:txBody>
         </p:sp>
-        <mc:AlternateContent xmlns:mc="http://schemas.openxmlformats.org/markup-compatibility/2006">
-          <mc:Choice xmlns:a14="http://schemas.microsoft.com/office/drawing/2010/main" Requires="a14">
+        <mc:AlternateContent xmlns:mc="http://schemas.openxmlformats.org/markup-compatibility/2006" xmlns:a14="http://schemas.microsoft.com/office/drawing/2010/main">
+          <mc:Choice Requires="a14">
             <p:sp>
               <p:nvSpPr>
                 <p:cNvPr id="23" name="テキスト ボックス 22">
@@ -32205,7 +32205,7 @@
               </p:txBody>
             </p:sp>
           </mc:Choice>
-          <mc:Fallback>
+          <mc:Fallback xmlns="">
             <p:sp>
               <p:nvSpPr>
                 <p:cNvPr id="23" name="テキスト ボックス 22">
@@ -32294,8 +32294,8 @@
             </a:p>
           </p:txBody>
         </p:sp>
-        <mc:AlternateContent xmlns:mc="http://schemas.openxmlformats.org/markup-compatibility/2006">
-          <mc:Choice xmlns:a14="http://schemas.microsoft.com/office/drawing/2010/main" Requires="a14">
+        <mc:AlternateContent xmlns:mc="http://schemas.openxmlformats.org/markup-compatibility/2006" xmlns:a14="http://schemas.microsoft.com/office/drawing/2010/main">
+          <mc:Choice Requires="a14">
             <p:sp>
               <p:nvSpPr>
                 <p:cNvPr id="26" name="テキスト ボックス 25">
@@ -32352,7 +32352,7 @@
               </p:txBody>
             </p:sp>
           </mc:Choice>
-          <mc:Fallback>
+          <mc:Fallback xmlns="">
             <p:sp>
               <p:nvSpPr>
                 <p:cNvPr id="26" name="テキスト ボックス 25">
@@ -33095,8 +33095,8 @@
             </a:p>
           </p:txBody>
         </p:sp>
-        <mc:AlternateContent xmlns:mc="http://schemas.openxmlformats.org/markup-compatibility/2006">
-          <mc:Choice xmlns:a14="http://schemas.microsoft.com/office/drawing/2010/main" Requires="a14">
+        <mc:AlternateContent xmlns:mc="http://schemas.openxmlformats.org/markup-compatibility/2006" xmlns:a14="http://schemas.microsoft.com/office/drawing/2010/main">
+          <mc:Choice Requires="a14">
             <p:sp>
               <p:nvSpPr>
                 <p:cNvPr id="25" name="テキスト ボックス 24">
@@ -33173,7 +33173,7 @@
               </p:txBody>
             </p:sp>
           </mc:Choice>
-          <mc:Fallback>
+          <mc:Fallback xmlns="">
             <p:sp>
               <p:nvSpPr>
                 <p:cNvPr id="25" name="テキスト ボックス 24">
@@ -33218,8 +33218,8 @@
             </p:sp>
           </mc:Fallback>
         </mc:AlternateContent>
-        <mc:AlternateContent xmlns:mc="http://schemas.openxmlformats.org/markup-compatibility/2006">
-          <mc:Choice xmlns:a14="http://schemas.microsoft.com/office/drawing/2010/main" Requires="a14">
+        <mc:AlternateContent xmlns:mc="http://schemas.openxmlformats.org/markup-compatibility/2006" xmlns:a14="http://schemas.microsoft.com/office/drawing/2010/main">
+          <mc:Choice Requires="a14">
             <p:sp>
               <p:nvSpPr>
                 <p:cNvPr id="27" name="テキスト ボックス 26">
@@ -33297,7 +33297,7 @@
               </p:txBody>
             </p:sp>
           </mc:Choice>
-          <mc:Fallback>
+          <mc:Fallback xmlns="">
             <p:sp>
               <p:nvSpPr>
                 <p:cNvPr id="27" name="テキスト ボックス 26">
@@ -33981,8 +33981,8 @@
           </a:p>
         </p:txBody>
       </p:sp>
-      <mc:AlternateContent xmlns:mc="http://schemas.openxmlformats.org/markup-compatibility/2006">
-        <mc:Choice xmlns:a14="http://schemas.microsoft.com/office/drawing/2010/main" Requires="a14">
+      <mc:AlternateContent xmlns:mc="http://schemas.openxmlformats.org/markup-compatibility/2006" xmlns:a14="http://schemas.microsoft.com/office/drawing/2010/main">
+        <mc:Choice Requires="a14">
           <p:sp>
             <p:nvSpPr>
               <p:cNvPr id="7" name="テキスト ボックス 6">
@@ -34048,7 +34048,7 @@
             </p:txBody>
           </p:sp>
         </mc:Choice>
-        <mc:Fallback>
+        <mc:Fallback xmlns="">
           <p:sp>
             <p:nvSpPr>
               <p:cNvPr id="7" name="テキスト ボックス 6">
@@ -34827,8 +34827,8 @@
           </a:p>
         </p:txBody>
       </p:sp>
-      <mc:AlternateContent xmlns:mc="http://schemas.openxmlformats.org/markup-compatibility/2006">
-        <mc:Choice xmlns:a14="http://schemas.microsoft.com/office/drawing/2010/main" Requires="a14">
+      <mc:AlternateContent xmlns:mc="http://schemas.openxmlformats.org/markup-compatibility/2006" xmlns:a14="http://schemas.microsoft.com/office/drawing/2010/main">
+        <mc:Choice Requires="a14">
           <p:sp>
             <p:nvSpPr>
               <p:cNvPr id="5" name="テキスト ボックス 4">
@@ -35127,7 +35127,7 @@
             </p:txBody>
           </p:sp>
         </mc:Choice>
-        <mc:Fallback>
+        <mc:Fallback xmlns="">
           <p:sp>
             <p:nvSpPr>
               <p:cNvPr id="5" name="テキスト ボックス 4">

--- a/AIについて.pptx
+++ b/AIについて.pptx
@@ -235,7 +235,7 @@
           <a:p>
             <a:fld id="{39F9963A-ACFA-4D71-BFA2-78ABD357489A}" type="datetimeFigureOut">
               <a:rPr kumimoji="1" lang="ja-JP" altLang="en-US" smtClean="0"/>
-              <a:t>2020/9/25</a:t>
+              <a:t>2020/9/28</a:t>
             </a:fld>
             <a:endParaRPr kumimoji="1" lang="ja-JP" altLang="en-US"/>
           </a:p>
@@ -1169,7 +1169,7 @@
           <a:p>
             <a:fld id="{4B7F2210-E08F-498E-9BBC-96DBE3870136}" type="datetimeFigureOut">
               <a:rPr kumimoji="1" lang="ja-JP" altLang="en-US" smtClean="0"/>
-              <a:t>2020/9/25</a:t>
+              <a:t>2020/9/28</a:t>
             </a:fld>
             <a:endParaRPr kumimoji="1" lang="ja-JP" altLang="en-US"/>
           </a:p>
@@ -1371,7 +1371,7 @@
           <a:p>
             <a:fld id="{4B7F2210-E08F-498E-9BBC-96DBE3870136}" type="datetimeFigureOut">
               <a:rPr kumimoji="1" lang="ja-JP" altLang="en-US" smtClean="0"/>
-              <a:t>2020/9/25</a:t>
+              <a:t>2020/9/28</a:t>
             </a:fld>
             <a:endParaRPr kumimoji="1" lang="ja-JP" altLang="en-US"/>
           </a:p>
@@ -1583,7 +1583,7 @@
           <a:p>
             <a:fld id="{4B7F2210-E08F-498E-9BBC-96DBE3870136}" type="datetimeFigureOut">
               <a:rPr kumimoji="1" lang="ja-JP" altLang="en-US" smtClean="0"/>
-              <a:t>2020/9/25</a:t>
+              <a:t>2020/9/28</a:t>
             </a:fld>
             <a:endParaRPr kumimoji="1" lang="ja-JP" altLang="en-US"/>
           </a:p>
@@ -1785,7 +1785,7 @@
           <a:p>
             <a:fld id="{4B7F2210-E08F-498E-9BBC-96DBE3870136}" type="datetimeFigureOut">
               <a:rPr kumimoji="1" lang="ja-JP" altLang="en-US" smtClean="0"/>
-              <a:t>2020/9/25</a:t>
+              <a:t>2020/9/28</a:t>
             </a:fld>
             <a:endParaRPr kumimoji="1" lang="ja-JP" altLang="en-US"/>
           </a:p>
@@ -2029,7 +2029,7 @@
           <a:p>
             <a:fld id="{4B7F2210-E08F-498E-9BBC-96DBE3870136}" type="datetimeFigureOut">
               <a:rPr kumimoji="1" lang="ja-JP" altLang="en-US" smtClean="0"/>
-              <a:t>2020/9/25</a:t>
+              <a:t>2020/9/28</a:t>
             </a:fld>
             <a:endParaRPr kumimoji="1" lang="ja-JP" altLang="en-US"/>
           </a:p>
@@ -2325,7 +2325,7 @@
           <a:p>
             <a:fld id="{4B7F2210-E08F-498E-9BBC-96DBE3870136}" type="datetimeFigureOut">
               <a:rPr kumimoji="1" lang="ja-JP" altLang="en-US" smtClean="0"/>
-              <a:t>2020/9/25</a:t>
+              <a:t>2020/9/28</a:t>
             </a:fld>
             <a:endParaRPr kumimoji="1" lang="ja-JP" altLang="en-US"/>
           </a:p>
@@ -2756,7 +2756,7 @@
           <a:p>
             <a:fld id="{4B7F2210-E08F-498E-9BBC-96DBE3870136}" type="datetimeFigureOut">
               <a:rPr kumimoji="1" lang="ja-JP" altLang="en-US" smtClean="0"/>
-              <a:t>2020/9/25</a:t>
+              <a:t>2020/9/28</a:t>
             </a:fld>
             <a:endParaRPr kumimoji="1" lang="ja-JP" altLang="en-US"/>
           </a:p>
@@ -2874,7 +2874,7 @@
           <a:p>
             <a:fld id="{4B7F2210-E08F-498E-9BBC-96DBE3870136}" type="datetimeFigureOut">
               <a:rPr kumimoji="1" lang="ja-JP" altLang="en-US" smtClean="0"/>
-              <a:t>2020/9/25</a:t>
+              <a:t>2020/9/28</a:t>
             </a:fld>
             <a:endParaRPr kumimoji="1" lang="ja-JP" altLang="en-US"/>
           </a:p>
@@ -2969,7 +2969,7 @@
           <a:p>
             <a:fld id="{4B7F2210-E08F-498E-9BBC-96DBE3870136}" type="datetimeFigureOut">
               <a:rPr kumimoji="1" lang="ja-JP" altLang="en-US" smtClean="0"/>
-              <a:t>2020/9/25</a:t>
+              <a:t>2020/9/28</a:t>
             </a:fld>
             <a:endParaRPr kumimoji="1" lang="ja-JP" altLang="en-US"/>
           </a:p>
@@ -3278,7 +3278,7 @@
           <a:p>
             <a:fld id="{4B7F2210-E08F-498E-9BBC-96DBE3870136}" type="datetimeFigureOut">
               <a:rPr kumimoji="1" lang="ja-JP" altLang="en-US" smtClean="0"/>
-              <a:t>2020/9/25</a:t>
+              <a:t>2020/9/28</a:t>
             </a:fld>
             <a:endParaRPr kumimoji="1" lang="ja-JP" altLang="en-US"/>
           </a:p>
@@ -3535,7 +3535,7 @@
           <a:p>
             <a:fld id="{4B7F2210-E08F-498E-9BBC-96DBE3870136}" type="datetimeFigureOut">
               <a:rPr kumimoji="1" lang="ja-JP" altLang="en-US" smtClean="0"/>
-              <a:t>2020/9/25</a:t>
+              <a:t>2020/9/28</a:t>
             </a:fld>
             <a:endParaRPr kumimoji="1" lang="ja-JP" altLang="en-US"/>
           </a:p>
@@ -3780,7 +3780,7 @@
           <a:p>
             <a:fld id="{4B7F2210-E08F-498E-9BBC-96DBE3870136}" type="datetimeFigureOut">
               <a:rPr kumimoji="1" lang="ja-JP" altLang="en-US" smtClean="0"/>
-              <a:t>2020/9/25</a:t>
+              <a:t>2020/9/28</a:t>
             </a:fld>
             <a:endParaRPr kumimoji="1" lang="ja-JP" altLang="en-US"/>
           </a:p>
@@ -4431,14 +4431,18 @@
             <a:r>
               <a:rPr kumimoji="1" lang="ja-JP" altLang="en-US" sz="2400" b="1" dirty="0">
                 <a:solidFill>
-                  <a:srgbClr val="FF6600"/>
+                  <a:schemeClr val="tx1">
+                    <a:lumMod val="95000"/>
+                  </a:schemeClr>
                 </a:solidFill>
               </a:rPr>
               <a:t>コンピュータを用いた探索や推論</a:t>
             </a:r>
             <a:endParaRPr kumimoji="1" lang="en-US" altLang="ja-JP" sz="2400" b="1" dirty="0">
               <a:solidFill>
-                <a:srgbClr val="FF6600"/>
+                <a:schemeClr val="tx1">
+                  <a:lumMod val="95000"/>
+                </a:schemeClr>
               </a:solidFill>
             </a:endParaRPr>
           </a:p>
@@ -4447,7 +4451,7 @@
               <a:rPr kumimoji="1" lang="en-US" altLang="ja-JP" sz="2400" dirty="0">
                 <a:solidFill>
                   <a:schemeClr val="tx1">
-                    <a:lumMod val="95000"/>
+                    <a:lumMod val="75000"/>
                   </a:schemeClr>
                 </a:solidFill>
               </a:rPr>
@@ -4490,7 +4494,17 @@
                   </a:schemeClr>
                 </a:solidFill>
               </a:rPr>
-              <a:t>ような選択しを選んでいくもの（</a:t>
+              <a:t>ような選択しを選んでいくもの</a:t>
+            </a:r>
+            <a:r>
+              <a:rPr kumimoji="1" lang="ja-JP" altLang="en-US" dirty="0">
+                <a:solidFill>
+                  <a:schemeClr val="tx1">
+                    <a:lumMod val="75000"/>
+                  </a:schemeClr>
+                </a:solidFill>
+              </a:rPr>
+              <a:t>（</a:t>
             </a:r>
             <a:r>
               <a:rPr kumimoji="1" lang="ja-JP" altLang="en-US" b="1" dirty="0">
@@ -4504,7 +4518,7 @@
               <a:rPr kumimoji="1" lang="ja-JP" altLang="en-US" dirty="0">
                 <a:solidFill>
                   <a:schemeClr val="tx1">
-                    <a:lumMod val="95000"/>
+                    <a:lumMod val="75000"/>
                   </a:schemeClr>
                 </a:solidFill>
               </a:rPr>
@@ -6074,7 +6088,13 @@
               <a:t>対象とする問題得領域の専門知識を利用して</a:t>
             </a:r>
             <a:r>
-              <a:rPr kumimoji="1" lang="ja-JP" altLang="en-US" sz="2000" dirty="0"/>
+              <a:rPr kumimoji="1" lang="ja-JP" altLang="en-US" sz="2000" dirty="0">
+                <a:solidFill>
+                  <a:schemeClr val="tx1">
+                    <a:lumMod val="95000"/>
+                  </a:schemeClr>
+                </a:solidFill>
+              </a:rPr>
               <a:t>推論を行い，</a:t>
             </a:r>
             <a:r>
@@ -6089,7 +6109,13 @@
               <a:t>専門的に高度な問題の解決</a:t>
             </a:r>
             <a:r>
-              <a:rPr kumimoji="1" lang="ja-JP" altLang="en-US" sz="2000" dirty="0"/>
+              <a:rPr kumimoji="1" lang="ja-JP" altLang="en-US" sz="2000" dirty="0">
+                <a:solidFill>
+                  <a:schemeClr val="tx1">
+                    <a:lumMod val="95000"/>
+                  </a:schemeClr>
+                </a:solidFill>
+              </a:rPr>
               <a:t>に関して，</a:t>
             </a:r>
             <a:r>
@@ -6101,19 +6127,43 @@
               <a:t>専門家と同等の能力を持つ</a:t>
             </a:r>
             <a:r>
-              <a:rPr kumimoji="1" lang="en-US" altLang="ja-JP" sz="2000" dirty="0"/>
+              <a:rPr kumimoji="1" lang="en-US" altLang="ja-JP" sz="2000" dirty="0">
+                <a:solidFill>
+                  <a:schemeClr val="tx1">
+                    <a:lumMod val="95000"/>
+                  </a:schemeClr>
+                </a:solidFill>
+              </a:rPr>
               <a:t>(</a:t>
             </a:r>
             <a:r>
-              <a:rPr kumimoji="1" lang="ja-JP" altLang="en-US" sz="2000" dirty="0"/>
+              <a:rPr kumimoji="1" lang="ja-JP" altLang="en-US" sz="2000" dirty="0">
+                <a:solidFill>
+                  <a:schemeClr val="tx1">
+                    <a:lumMod val="95000"/>
+                  </a:schemeClr>
+                </a:solidFill>
+              </a:rPr>
               <a:t>ことを目標とする</a:t>
             </a:r>
             <a:r>
-              <a:rPr kumimoji="1" lang="en-US" altLang="ja-JP" sz="2000" dirty="0"/>
+              <a:rPr kumimoji="1" lang="en-US" altLang="ja-JP" sz="2000" dirty="0">
+                <a:solidFill>
+                  <a:schemeClr val="tx1">
+                    <a:lumMod val="95000"/>
+                  </a:schemeClr>
+                </a:solidFill>
+              </a:rPr>
               <a:t>)</a:t>
             </a:r>
             <a:r>
-              <a:rPr kumimoji="1" lang="ja-JP" altLang="en-US" sz="2000" dirty="0"/>
+              <a:rPr kumimoji="1" lang="ja-JP" altLang="en-US" sz="2000" dirty="0">
+                <a:solidFill>
+                  <a:schemeClr val="tx1">
+                    <a:lumMod val="95000"/>
+                  </a:schemeClr>
+                </a:solidFill>
+              </a:rPr>
               <a:t>知的問題解決システム</a:t>
             </a:r>
           </a:p>
@@ -6445,10 +6495,22 @@
               </a:lnSpc>
             </a:pPr>
             <a:r>
-              <a:rPr kumimoji="1" lang="ja-JP" altLang="en-US" sz="2400" dirty="0"/>
+              <a:rPr kumimoji="1" lang="ja-JP" altLang="en-US" sz="2400" dirty="0">
+                <a:solidFill>
+                  <a:schemeClr val="tx1">
+                    <a:lumMod val="95000"/>
+                  </a:schemeClr>
+                </a:solidFill>
+              </a:rPr>
               <a:t>～エキスパートシステムの支援対象～</a:t>
             </a:r>
-            <a:endParaRPr kumimoji="1" lang="en-US" altLang="ja-JP" sz="2400" dirty="0"/>
+            <a:endParaRPr kumimoji="1" lang="en-US" altLang="ja-JP" sz="2400" dirty="0">
+              <a:solidFill>
+                <a:schemeClr val="tx1">
+                  <a:lumMod val="95000"/>
+                </a:schemeClr>
+              </a:solidFill>
+            </a:endParaRPr>
           </a:p>
           <a:p>
             <a:pPr marL="342900" indent="-342900">
@@ -6459,10 +6521,22 @@
               <a:buChar char="•"/>
             </a:pPr>
             <a:r>
-              <a:rPr kumimoji="1" lang="ja-JP" altLang="en-US" sz="2000" dirty="0"/>
+              <a:rPr kumimoji="1" lang="ja-JP" altLang="en-US" sz="2000" dirty="0">
+                <a:solidFill>
+                  <a:schemeClr val="tx1">
+                    <a:lumMod val="95000"/>
+                  </a:schemeClr>
+                </a:solidFill>
+              </a:rPr>
               <a:t>非専門家の仕事を支援　→　能力を補う</a:t>
             </a:r>
-            <a:endParaRPr kumimoji="1" lang="en-US" altLang="ja-JP" sz="2000" dirty="0"/>
+            <a:endParaRPr kumimoji="1" lang="en-US" altLang="ja-JP" sz="2000" dirty="0">
+              <a:solidFill>
+                <a:schemeClr val="tx1">
+                  <a:lumMod val="95000"/>
+                </a:schemeClr>
+              </a:solidFill>
+            </a:endParaRPr>
           </a:p>
           <a:p>
             <a:pPr>
@@ -6471,14 +6545,32 @@
               </a:lnSpc>
             </a:pPr>
             <a:r>
-              <a:rPr kumimoji="1" lang="en-US" altLang="ja-JP" sz="2000" dirty="0"/>
+              <a:rPr kumimoji="1" lang="en-US" altLang="ja-JP" sz="2000" dirty="0">
+                <a:solidFill>
+                  <a:schemeClr val="tx1">
+                    <a:lumMod val="95000"/>
+                  </a:schemeClr>
+                </a:solidFill>
+              </a:rPr>
               <a:t>	</a:t>
             </a:r>
             <a:r>
-              <a:rPr kumimoji="1" lang="ja-JP" altLang="en-US" sz="2000" dirty="0"/>
+              <a:rPr kumimoji="1" lang="ja-JP" altLang="en-US" sz="2000" dirty="0">
+                <a:solidFill>
+                  <a:schemeClr val="tx1">
+                    <a:lumMod val="95000"/>
+                  </a:schemeClr>
+                </a:solidFill>
+              </a:rPr>
               <a:t>例：医療診断支援システム</a:t>
             </a:r>
-            <a:endParaRPr kumimoji="1" lang="en-US" altLang="ja-JP" sz="2000" dirty="0"/>
+            <a:endParaRPr kumimoji="1" lang="en-US" altLang="ja-JP" sz="2000" dirty="0">
+              <a:solidFill>
+                <a:schemeClr val="tx1">
+                  <a:lumMod val="95000"/>
+                </a:schemeClr>
+              </a:solidFill>
+            </a:endParaRPr>
           </a:p>
           <a:p>
             <a:pPr marL="342900" indent="-342900">
@@ -6489,10 +6581,22 @@
               <a:buChar char="•"/>
             </a:pPr>
             <a:r>
-              <a:rPr kumimoji="1" lang="ja-JP" altLang="en-US" sz="2000" dirty="0"/>
+              <a:rPr kumimoji="1" lang="ja-JP" altLang="en-US" sz="2000" dirty="0">
+                <a:solidFill>
+                  <a:schemeClr val="tx1">
+                    <a:lumMod val="95000"/>
+                  </a:schemeClr>
+                </a:solidFill>
+              </a:rPr>
               <a:t>専門家の仕事を支援　　→　生産性・品質向上</a:t>
             </a:r>
-            <a:endParaRPr kumimoji="1" lang="en-US" altLang="ja-JP" sz="2000" dirty="0"/>
+            <a:endParaRPr kumimoji="1" lang="en-US" altLang="ja-JP" sz="2000" dirty="0">
+              <a:solidFill>
+                <a:schemeClr val="tx1">
+                  <a:lumMod val="95000"/>
+                </a:schemeClr>
+              </a:solidFill>
+            </a:endParaRPr>
           </a:p>
           <a:p>
             <a:pPr>
@@ -6501,11 +6605,23 @@
               </a:lnSpc>
             </a:pPr>
             <a:r>
-              <a:rPr kumimoji="1" lang="en-US" altLang="ja-JP" sz="2000" dirty="0"/>
+              <a:rPr kumimoji="1" lang="en-US" altLang="ja-JP" sz="2000" dirty="0">
+                <a:solidFill>
+                  <a:schemeClr val="tx1">
+                    <a:lumMod val="95000"/>
+                  </a:schemeClr>
+                </a:solidFill>
+              </a:rPr>
               <a:t>	</a:t>
             </a:r>
             <a:r>
-              <a:rPr kumimoji="1" lang="ja-JP" altLang="en-US" sz="2000" dirty="0"/>
+              <a:rPr kumimoji="1" lang="ja-JP" altLang="en-US" sz="2000" dirty="0">
+                <a:solidFill>
+                  <a:schemeClr val="tx1">
+                    <a:lumMod val="95000"/>
+                  </a:schemeClr>
+                </a:solidFill>
+              </a:rPr>
               <a:t>例：機器・システム設計支援</a:t>
             </a:r>
           </a:p>
@@ -6540,7 +6656,13 @@
           <a:lstStyle/>
           <a:p>
             <a:r>
-              <a:rPr kumimoji="1" lang="ja-JP" altLang="en-US" sz="2000" dirty="0"/>
+              <a:rPr kumimoji="1" lang="ja-JP" altLang="en-US" sz="2000" dirty="0">
+                <a:solidFill>
+                  <a:schemeClr val="tx1">
+                    <a:lumMod val="95000"/>
+                  </a:schemeClr>
+                </a:solidFill>
+              </a:rPr>
               <a:t>ルールが決められ問題しか解けない</a:t>
             </a:r>
           </a:p>
@@ -6635,22 +6757,52 @@
           <a:lstStyle/>
           <a:p>
             <a:r>
-              <a:rPr kumimoji="1" lang="ja-JP" altLang="en-US" sz="2000" dirty="0"/>
+              <a:rPr kumimoji="1" lang="ja-JP" altLang="en-US" sz="2000" dirty="0">
+                <a:solidFill>
+                  <a:schemeClr val="tx1">
+                    <a:lumMod val="95000"/>
+                  </a:schemeClr>
+                </a:solidFill>
+              </a:rPr>
               <a:t>解けるよう、知識を与えてあげればいいじゃない！</a:t>
             </a:r>
             <a:r>
-              <a:rPr kumimoji="1" lang="en-US" altLang="ja-JP" sz="2000" dirty="0"/>
+              <a:rPr kumimoji="1" lang="en-US" altLang="ja-JP" sz="2000" dirty="0">
+                <a:solidFill>
+                  <a:schemeClr val="tx1">
+                    <a:lumMod val="95000"/>
+                  </a:schemeClr>
+                </a:solidFill>
+              </a:rPr>
               <a:t>(</a:t>
             </a:r>
             <a:r>
-              <a:rPr kumimoji="1" lang="ja-JP" altLang="en-US" sz="2000" dirty="0"/>
+              <a:rPr kumimoji="1" lang="ja-JP" altLang="en-US" sz="2000" dirty="0">
+                <a:solidFill>
+                  <a:schemeClr val="tx1">
+                    <a:lumMod val="95000"/>
+                  </a:schemeClr>
+                </a:solidFill>
+              </a:rPr>
               <a:t>知識工学</a:t>
             </a:r>
             <a:r>
-              <a:rPr kumimoji="1" lang="en-US" altLang="ja-JP" sz="2000" dirty="0"/>
+              <a:rPr kumimoji="1" lang="en-US" altLang="ja-JP" sz="2000" dirty="0">
+                <a:solidFill>
+                  <a:schemeClr val="tx1">
+                    <a:lumMod val="95000"/>
+                  </a:schemeClr>
+                </a:solidFill>
+              </a:rPr>
               <a:t>)</a:t>
             </a:r>
-            <a:endParaRPr kumimoji="1" lang="ja-JP" altLang="en-US" sz="2000" dirty="0"/>
+            <a:endParaRPr kumimoji="1" lang="ja-JP" altLang="en-US" sz="2000" dirty="0">
+              <a:solidFill>
+                <a:schemeClr val="tx1">
+                  <a:lumMod val="95000"/>
+                </a:schemeClr>
+              </a:solidFill>
+            </a:endParaRPr>
           </a:p>
         </p:txBody>
       </p:sp>

--- a/AIについて.pptx
+++ b/AIについて.pptx
@@ -235,7 +235,7 @@
           <a:p>
             <a:fld id="{39F9963A-ACFA-4D71-BFA2-78ABD357489A}" type="datetimeFigureOut">
               <a:rPr kumimoji="1" lang="ja-JP" altLang="en-US" smtClean="0"/>
-              <a:t>2020/9/28</a:t>
+              <a:t>2021/4/8</a:t>
             </a:fld>
             <a:endParaRPr kumimoji="1" lang="ja-JP" altLang="en-US"/>
           </a:p>
@@ -1169,7 +1169,7 @@
           <a:p>
             <a:fld id="{4B7F2210-E08F-498E-9BBC-96DBE3870136}" type="datetimeFigureOut">
               <a:rPr kumimoji="1" lang="ja-JP" altLang="en-US" smtClean="0"/>
-              <a:t>2020/9/28</a:t>
+              <a:t>2021/4/8</a:t>
             </a:fld>
             <a:endParaRPr kumimoji="1" lang="ja-JP" altLang="en-US"/>
           </a:p>
@@ -1371,7 +1371,7 @@
           <a:p>
             <a:fld id="{4B7F2210-E08F-498E-9BBC-96DBE3870136}" type="datetimeFigureOut">
               <a:rPr kumimoji="1" lang="ja-JP" altLang="en-US" smtClean="0"/>
-              <a:t>2020/9/28</a:t>
+              <a:t>2021/4/8</a:t>
             </a:fld>
             <a:endParaRPr kumimoji="1" lang="ja-JP" altLang="en-US"/>
           </a:p>
@@ -1583,7 +1583,7 @@
           <a:p>
             <a:fld id="{4B7F2210-E08F-498E-9BBC-96DBE3870136}" type="datetimeFigureOut">
               <a:rPr kumimoji="1" lang="ja-JP" altLang="en-US" smtClean="0"/>
-              <a:t>2020/9/28</a:t>
+              <a:t>2021/4/8</a:t>
             </a:fld>
             <a:endParaRPr kumimoji="1" lang="ja-JP" altLang="en-US"/>
           </a:p>
@@ -1785,7 +1785,7 @@
           <a:p>
             <a:fld id="{4B7F2210-E08F-498E-9BBC-96DBE3870136}" type="datetimeFigureOut">
               <a:rPr kumimoji="1" lang="ja-JP" altLang="en-US" smtClean="0"/>
-              <a:t>2020/9/28</a:t>
+              <a:t>2021/4/8</a:t>
             </a:fld>
             <a:endParaRPr kumimoji="1" lang="ja-JP" altLang="en-US"/>
           </a:p>
@@ -2029,7 +2029,7 @@
           <a:p>
             <a:fld id="{4B7F2210-E08F-498E-9BBC-96DBE3870136}" type="datetimeFigureOut">
               <a:rPr kumimoji="1" lang="ja-JP" altLang="en-US" smtClean="0"/>
-              <a:t>2020/9/28</a:t>
+              <a:t>2021/4/8</a:t>
             </a:fld>
             <a:endParaRPr kumimoji="1" lang="ja-JP" altLang="en-US"/>
           </a:p>
@@ -2325,7 +2325,7 @@
           <a:p>
             <a:fld id="{4B7F2210-E08F-498E-9BBC-96DBE3870136}" type="datetimeFigureOut">
               <a:rPr kumimoji="1" lang="ja-JP" altLang="en-US" smtClean="0"/>
-              <a:t>2020/9/28</a:t>
+              <a:t>2021/4/8</a:t>
             </a:fld>
             <a:endParaRPr kumimoji="1" lang="ja-JP" altLang="en-US"/>
           </a:p>
@@ -2756,7 +2756,7 @@
           <a:p>
             <a:fld id="{4B7F2210-E08F-498E-9BBC-96DBE3870136}" type="datetimeFigureOut">
               <a:rPr kumimoji="1" lang="ja-JP" altLang="en-US" smtClean="0"/>
-              <a:t>2020/9/28</a:t>
+              <a:t>2021/4/8</a:t>
             </a:fld>
             <a:endParaRPr kumimoji="1" lang="ja-JP" altLang="en-US"/>
           </a:p>
@@ -2874,7 +2874,7 @@
           <a:p>
             <a:fld id="{4B7F2210-E08F-498E-9BBC-96DBE3870136}" type="datetimeFigureOut">
               <a:rPr kumimoji="1" lang="ja-JP" altLang="en-US" smtClean="0"/>
-              <a:t>2020/9/28</a:t>
+              <a:t>2021/4/8</a:t>
             </a:fld>
             <a:endParaRPr kumimoji="1" lang="ja-JP" altLang="en-US"/>
           </a:p>
@@ -2969,7 +2969,7 @@
           <a:p>
             <a:fld id="{4B7F2210-E08F-498E-9BBC-96DBE3870136}" type="datetimeFigureOut">
               <a:rPr kumimoji="1" lang="ja-JP" altLang="en-US" smtClean="0"/>
-              <a:t>2020/9/28</a:t>
+              <a:t>2021/4/8</a:t>
             </a:fld>
             <a:endParaRPr kumimoji="1" lang="ja-JP" altLang="en-US"/>
           </a:p>
@@ -3278,7 +3278,7 @@
           <a:p>
             <a:fld id="{4B7F2210-E08F-498E-9BBC-96DBE3870136}" type="datetimeFigureOut">
               <a:rPr kumimoji="1" lang="ja-JP" altLang="en-US" smtClean="0"/>
-              <a:t>2020/9/28</a:t>
+              <a:t>2021/4/8</a:t>
             </a:fld>
             <a:endParaRPr kumimoji="1" lang="ja-JP" altLang="en-US"/>
           </a:p>
@@ -3535,7 +3535,7 @@
           <a:p>
             <a:fld id="{4B7F2210-E08F-498E-9BBC-96DBE3870136}" type="datetimeFigureOut">
               <a:rPr kumimoji="1" lang="ja-JP" altLang="en-US" smtClean="0"/>
-              <a:t>2020/9/28</a:t>
+              <a:t>2021/4/8</a:t>
             </a:fld>
             <a:endParaRPr kumimoji="1" lang="ja-JP" altLang="en-US"/>
           </a:p>
@@ -3780,7 +3780,7 @@
           <a:p>
             <a:fld id="{4B7F2210-E08F-498E-9BBC-96DBE3870136}" type="datetimeFigureOut">
               <a:rPr kumimoji="1" lang="ja-JP" altLang="en-US" smtClean="0"/>
-              <a:t>2020/9/28</a:t>
+              <a:t>2021/4/8</a:t>
             </a:fld>
             <a:endParaRPr kumimoji="1" lang="ja-JP" altLang="en-US"/>
           </a:p>
@@ -42254,8 +42254,8 @@
         </p:blipFill>
         <p:spPr>
           <a:xfrm>
-            <a:off x="517525" y="1385150"/>
-            <a:ext cx="8108950" cy="5472850"/>
+            <a:off x="870387" y="1366367"/>
+            <a:ext cx="7644963" cy="5159698"/>
           </a:xfrm>
           <a:prstGeom prst="rect">
             <a:avLst/>
